--- a/activities/multilayer_perceptron_key.pptx
+++ b/activities/multilayer_perceptron_key.pptx
@@ -203,7 +203,7 @@
           <a:p>
             <a:fld id="{B669F73A-4112-234F-9F94-4F1C3261821D}" type="datetimeFigureOut">
               <a:rPr lang="en-US" smtClean="0"/>
-              <a:t>5/21/22</a:t>
+              <a:t>9/19/22</a:t>
             </a:fld>
             <a:endParaRPr lang="en-US"/>
           </a:p>
@@ -617,7 +617,7 @@
           <a:p>
             <a:fld id="{1A0BB482-D24B-F841-A873-2C24A2BF3878}" type="datetimeFigureOut">
               <a:rPr lang="en-US" smtClean="0"/>
-              <a:t>5/21/22</a:t>
+              <a:t>9/19/22</a:t>
             </a:fld>
             <a:endParaRPr lang="en-US"/>
           </a:p>
@@ -815,7 +815,7 @@
           <a:p>
             <a:fld id="{1A0BB482-D24B-F841-A873-2C24A2BF3878}" type="datetimeFigureOut">
               <a:rPr lang="en-US" smtClean="0"/>
-              <a:t>5/21/22</a:t>
+              <a:t>9/19/22</a:t>
             </a:fld>
             <a:endParaRPr lang="en-US"/>
           </a:p>
@@ -1023,7 +1023,7 @@
           <a:p>
             <a:fld id="{1A0BB482-D24B-F841-A873-2C24A2BF3878}" type="datetimeFigureOut">
               <a:rPr lang="en-US" smtClean="0"/>
-              <a:t>5/21/22</a:t>
+              <a:t>9/19/22</a:t>
             </a:fld>
             <a:endParaRPr lang="en-US"/>
           </a:p>
@@ -1221,7 +1221,7 @@
           <a:p>
             <a:fld id="{1A0BB482-D24B-F841-A873-2C24A2BF3878}" type="datetimeFigureOut">
               <a:rPr lang="en-US" smtClean="0"/>
-              <a:t>5/21/22</a:t>
+              <a:t>9/19/22</a:t>
             </a:fld>
             <a:endParaRPr lang="en-US"/>
           </a:p>
@@ -1496,7 +1496,7 @@
           <a:p>
             <a:fld id="{1A0BB482-D24B-F841-A873-2C24A2BF3878}" type="datetimeFigureOut">
               <a:rPr lang="en-US" smtClean="0"/>
-              <a:t>5/21/22</a:t>
+              <a:t>9/19/22</a:t>
             </a:fld>
             <a:endParaRPr lang="en-US"/>
           </a:p>
@@ -1761,7 +1761,7 @@
           <a:p>
             <a:fld id="{1A0BB482-D24B-F841-A873-2C24A2BF3878}" type="datetimeFigureOut">
               <a:rPr lang="en-US" smtClean="0"/>
-              <a:t>5/21/22</a:t>
+              <a:t>9/19/22</a:t>
             </a:fld>
             <a:endParaRPr lang="en-US"/>
           </a:p>
@@ -2173,7 +2173,7 @@
           <a:p>
             <a:fld id="{1A0BB482-D24B-F841-A873-2C24A2BF3878}" type="datetimeFigureOut">
               <a:rPr lang="en-US" smtClean="0"/>
-              <a:t>5/21/22</a:t>
+              <a:t>9/19/22</a:t>
             </a:fld>
             <a:endParaRPr lang="en-US"/>
           </a:p>
@@ -2314,7 +2314,7 @@
           <a:p>
             <a:fld id="{1A0BB482-D24B-F841-A873-2C24A2BF3878}" type="datetimeFigureOut">
               <a:rPr lang="en-US" smtClean="0"/>
-              <a:t>5/21/22</a:t>
+              <a:t>9/19/22</a:t>
             </a:fld>
             <a:endParaRPr lang="en-US"/>
           </a:p>
@@ -2427,7 +2427,7 @@
           <a:p>
             <a:fld id="{1A0BB482-D24B-F841-A873-2C24A2BF3878}" type="datetimeFigureOut">
               <a:rPr lang="en-US" smtClean="0"/>
-              <a:t>5/21/22</a:t>
+              <a:t>9/19/22</a:t>
             </a:fld>
             <a:endParaRPr lang="en-US"/>
           </a:p>
@@ -2738,7 +2738,7 @@
           <a:p>
             <a:fld id="{1A0BB482-D24B-F841-A873-2C24A2BF3878}" type="datetimeFigureOut">
               <a:rPr lang="en-US" smtClean="0"/>
-              <a:t>5/21/22</a:t>
+              <a:t>9/19/22</a:t>
             </a:fld>
             <a:endParaRPr lang="en-US"/>
           </a:p>
@@ -3026,7 +3026,7 @@
           <a:p>
             <a:fld id="{1A0BB482-D24B-F841-A873-2C24A2BF3878}" type="datetimeFigureOut">
               <a:rPr lang="en-US" smtClean="0"/>
-              <a:t>5/21/22</a:t>
+              <a:t>9/19/22</a:t>
             </a:fld>
             <a:endParaRPr lang="en-US"/>
           </a:p>
@@ -3267,7 +3267,7 @@
           <a:p>
             <a:fld id="{1A0BB482-D24B-F841-A873-2C24A2BF3878}" type="datetimeFigureOut">
               <a:rPr lang="en-US" smtClean="0"/>
-              <a:t>5/21/22</a:t>
+              <a:t>9/19/22</a:t>
             </a:fld>
             <a:endParaRPr lang="en-US"/>
           </a:p>
@@ -3708,34 +3708,6 @@
             <a:r>
               <a:rPr lang="en-US" dirty="0"/>
               <a:t>Activity: MLP Structure</a:t>
-            </a:r>
-          </a:p>
-        </p:txBody>
-      </p:sp>
-      <p:sp>
-        <p:nvSpPr>
-          <p:cNvPr id="3" name="Subtitle 2">
-            <a:extLst>
-              <a:ext uri="{FF2B5EF4-FFF2-40B4-BE49-F238E27FC236}">
-                <a16:creationId xmlns:a16="http://schemas.microsoft.com/office/drawing/2014/main" id="{40B18925-022E-6D4B-A397-37B336F6CE74}"/>
-              </a:ext>
-            </a:extLst>
-          </p:cNvPr>
-          <p:cNvSpPr>
-            <a:spLocks noGrp="1"/>
-          </p:cNvSpPr>
-          <p:nvPr>
-            <p:ph type="subTitle" idx="1"/>
-          </p:nvPr>
-        </p:nvSpPr>
-        <p:spPr/>
-        <p:txBody>
-          <a:bodyPr/>
-          <a:lstStyle/>
-          <a:p>
-            <a:r>
-              <a:rPr lang="en-US" dirty="0"/>
-              <a:t>ML for Health, Week 3</a:t>
             </a:r>
           </a:p>
         </p:txBody>
@@ -7049,8 +7021,8 @@
           </p:sp>
         </mc:Fallback>
       </mc:AlternateContent>
-      <mc:AlternateContent xmlns:mc="http://schemas.openxmlformats.org/markup-compatibility/2006">
-        <mc:Choice xmlns:a14="http://schemas.microsoft.com/office/drawing/2010/main" Requires="a14">
+      <mc:AlternateContent xmlns:mc="http://schemas.openxmlformats.org/markup-compatibility/2006" xmlns:a14="http://schemas.microsoft.com/office/drawing/2010/main">
+        <mc:Choice Requires="a14">
           <p:sp>
             <p:nvSpPr>
               <p:cNvPr id="37" name="Content Placeholder 2">
@@ -7320,13 +7292,7 @@
                           <a:rPr lang="en-US" sz="2400" i="1" dirty="0">
                             <a:latin typeface="Cambria Math" panose="02040503050406030204" pitchFamily="18" charset="0"/>
                           </a:rPr>
-                          <m:t>1</m:t>
-                        </m:r>
-                        <m:r>
-                          <a:rPr lang="en-US" sz="2400" i="1" dirty="0">
-                            <a:latin typeface="Cambria Math" panose="02040503050406030204" pitchFamily="18" charset="0"/>
-                          </a:rPr>
-                          <m:t>,</m:t>
+                          <m:t>1,</m:t>
                         </m:r>
                         <m:r>
                           <a:rPr lang="en-US" sz="2400" b="0" i="1" dirty="0" smtClean="0">
@@ -7438,7 +7404,7 @@
             </p:txBody>
           </p:sp>
         </mc:Choice>
-        <mc:Fallback>
+        <mc:Fallback xmlns="">
           <p:sp>
             <p:nvSpPr>
               <p:cNvPr id="37" name="Content Placeholder 2">
@@ -10782,8 +10748,8 @@
           </p:sp>
         </mc:Fallback>
       </mc:AlternateContent>
-      <mc:AlternateContent xmlns:mc="http://schemas.openxmlformats.org/markup-compatibility/2006">
-        <mc:Choice xmlns:a14="http://schemas.microsoft.com/office/drawing/2010/main" Requires="a14">
+      <mc:AlternateContent xmlns:mc="http://schemas.openxmlformats.org/markup-compatibility/2006" xmlns:a14="http://schemas.microsoft.com/office/drawing/2010/main">
+        <mc:Choice Requires="a14">
           <p:sp>
             <p:nvSpPr>
               <p:cNvPr id="37" name="Content Placeholder 2">
@@ -11000,13 +10966,7 @@
                           <a:rPr lang="en-US" sz="2400" i="1" dirty="0">
                             <a:latin typeface="Cambria Math" panose="02040503050406030204" pitchFamily="18" charset="0"/>
                           </a:rPr>
-                          <m:t>1</m:t>
-                        </m:r>
-                        <m:r>
-                          <a:rPr lang="en-US" sz="2400" i="1" dirty="0">
-                            <a:latin typeface="Cambria Math" panose="02040503050406030204" pitchFamily="18" charset="0"/>
-                          </a:rPr>
-                          <m:t>,1</m:t>
+                          <m:t>1,1</m:t>
                         </m:r>
                       </m:sub>
                     </m:sSub>
@@ -11041,13 +11001,7 @@
                           <a:rPr lang="en-US" sz="2400" i="1" dirty="0">
                             <a:latin typeface="Cambria Math" panose="02040503050406030204" pitchFamily="18" charset="0"/>
                           </a:rPr>
-                          <m:t>1,</m:t>
-                        </m:r>
-                        <m:r>
-                          <a:rPr lang="en-US" sz="2400" i="1" dirty="0">
-                            <a:latin typeface="Cambria Math" panose="02040503050406030204" pitchFamily="18" charset="0"/>
-                          </a:rPr>
-                          <m:t>2</m:t>
+                          <m:t>1,2</m:t>
                         </m:r>
                       </m:sub>
                     </m:sSub>
@@ -11377,7 +11331,7 @@
             </p:txBody>
           </p:sp>
         </mc:Choice>
-        <mc:Fallback>
+        <mc:Fallback xmlns="">
           <p:sp>
             <p:nvSpPr>
               <p:cNvPr id="37" name="Content Placeholder 2">
